--- a/design0.pptx
+++ b/design0.pptx
@@ -314,7 +314,7 @@
           <a:p>
             <a:fld id="{5BCAD085-E8A6-8845-BD4E-CB4CCA059FC4}" type="datetimeFigureOut">
               <a:rPr lang="en-US" smtClean="0"/>
-              <a:t>2/14/2025</a:t>
+              <a:t>2/15/2025</a:t>
             </a:fld>
             <a:endParaRPr lang="en-US"/>
           </a:p>
@@ -589,7 +589,7 @@
           <a:p>
             <a:fld id="{5BCAD085-E8A6-8845-BD4E-CB4CCA059FC4}" type="datetimeFigureOut">
               <a:rPr lang="en-US" smtClean="0"/>
-              <a:t>2/14/2025</a:t>
+              <a:t>2/15/2025</a:t>
             </a:fld>
             <a:endParaRPr lang="en-US"/>
           </a:p>
@@ -783,7 +783,7 @@
           <a:p>
             <a:fld id="{5BCAD085-E8A6-8845-BD4E-CB4CCA059FC4}" type="datetimeFigureOut">
               <a:rPr lang="en-US" smtClean="0"/>
-              <a:t>2/14/2025</a:t>
+              <a:t>2/15/2025</a:t>
             </a:fld>
             <a:endParaRPr lang="en-US"/>
           </a:p>
@@ -1056,7 +1056,7 @@
           <a:p>
             <a:fld id="{5BCAD085-E8A6-8845-BD4E-CB4CCA059FC4}" type="datetimeFigureOut">
               <a:rPr lang="en-US" smtClean="0"/>
-              <a:t>2/14/2025</a:t>
+              <a:t>2/15/2025</a:t>
             </a:fld>
             <a:endParaRPr lang="en-US"/>
           </a:p>
@@ -1397,7 +1397,7 @@
           <a:p>
             <a:fld id="{5BCAD085-E8A6-8845-BD4E-CB4CCA059FC4}" type="datetimeFigureOut">
               <a:rPr lang="en-US" smtClean="0"/>
-              <a:t>2/14/2025</a:t>
+              <a:t>2/15/2025</a:t>
             </a:fld>
             <a:endParaRPr lang="en-US"/>
           </a:p>
@@ -2020,7 +2020,7 @@
           <a:p>
             <a:fld id="{5BCAD085-E8A6-8845-BD4E-CB4CCA059FC4}" type="datetimeFigureOut">
               <a:rPr lang="en-US" smtClean="0"/>
-              <a:t>2/14/2025</a:t>
+              <a:t>2/15/2025</a:t>
             </a:fld>
             <a:endParaRPr lang="en-US"/>
           </a:p>
@@ -2880,7 +2880,7 @@
           <a:p>
             <a:fld id="{5BCAD085-E8A6-8845-BD4E-CB4CCA059FC4}" type="datetimeFigureOut">
               <a:rPr lang="en-US" smtClean="0"/>
-              <a:t>2/14/2025</a:t>
+              <a:t>2/15/2025</a:t>
             </a:fld>
             <a:endParaRPr lang="en-US"/>
           </a:p>
@@ -3050,7 +3050,7 @@
           <a:p>
             <a:fld id="{5BCAD085-E8A6-8845-BD4E-CB4CCA059FC4}" type="datetimeFigureOut">
               <a:rPr lang="en-US" smtClean="0"/>
-              <a:t>2/14/2025</a:t>
+              <a:t>2/15/2025</a:t>
             </a:fld>
             <a:endParaRPr lang="en-US"/>
           </a:p>
@@ -3230,7 +3230,7 @@
           <a:p>
             <a:fld id="{5BCAD085-E8A6-8845-BD4E-CB4CCA059FC4}" type="datetimeFigureOut">
               <a:rPr lang="en-US" smtClean="0"/>
-              <a:t>2/14/2025</a:t>
+              <a:t>2/15/2025</a:t>
             </a:fld>
             <a:endParaRPr lang="en-US"/>
           </a:p>
@@ -3400,7 +3400,7 @@
           <a:p>
             <a:fld id="{5BCAD085-E8A6-8845-BD4E-CB4CCA059FC4}" type="datetimeFigureOut">
               <a:rPr lang="en-US" smtClean="0"/>
-              <a:t>2/14/2025</a:t>
+              <a:t>2/15/2025</a:t>
             </a:fld>
             <a:endParaRPr lang="en-US"/>
           </a:p>
@@ -3647,7 +3647,7 @@
           <a:p>
             <a:fld id="{5BCAD085-E8A6-8845-BD4E-CB4CCA059FC4}" type="datetimeFigureOut">
               <a:rPr lang="en-US" smtClean="0"/>
-              <a:t>2/14/2025</a:t>
+              <a:t>2/15/2025</a:t>
             </a:fld>
             <a:endParaRPr lang="en-US"/>
           </a:p>
@@ -3939,7 +3939,7 @@
           <a:p>
             <a:fld id="{5BCAD085-E8A6-8845-BD4E-CB4CCA059FC4}" type="datetimeFigureOut">
               <a:rPr lang="en-US" smtClean="0"/>
-              <a:t>2/14/2025</a:t>
+              <a:t>2/15/2025</a:t>
             </a:fld>
             <a:endParaRPr lang="en-US"/>
           </a:p>
@@ -4383,7 +4383,7 @@
           <a:p>
             <a:fld id="{5BCAD085-E8A6-8845-BD4E-CB4CCA059FC4}" type="datetimeFigureOut">
               <a:rPr lang="en-US" smtClean="0"/>
-              <a:t>2/14/2025</a:t>
+              <a:t>2/15/2025</a:t>
             </a:fld>
             <a:endParaRPr lang="en-US"/>
           </a:p>
@@ -4501,7 +4501,7 @@
           <a:p>
             <a:fld id="{5BCAD085-E8A6-8845-BD4E-CB4CCA059FC4}" type="datetimeFigureOut">
               <a:rPr lang="en-US" smtClean="0"/>
-              <a:t>2/14/2025</a:t>
+              <a:t>2/15/2025</a:t>
             </a:fld>
             <a:endParaRPr lang="en-US"/>
           </a:p>
@@ -4596,7 +4596,7 @@
           <a:p>
             <a:fld id="{5BCAD085-E8A6-8845-BD4E-CB4CCA059FC4}" type="datetimeFigureOut">
               <a:rPr lang="en-US" smtClean="0"/>
-              <a:t>2/14/2025</a:t>
+              <a:t>2/15/2025</a:t>
             </a:fld>
             <a:endParaRPr lang="en-US"/>
           </a:p>
@@ -4875,7 +4875,7 @@
           <a:p>
             <a:fld id="{5BCAD085-E8A6-8845-BD4E-CB4CCA059FC4}" type="datetimeFigureOut">
               <a:rPr lang="en-US" smtClean="0"/>
-              <a:t>2/14/2025</a:t>
+              <a:t>2/15/2025</a:t>
             </a:fld>
             <a:endParaRPr lang="en-US"/>
           </a:p>
@@ -5150,7 +5150,7 @@
           <a:p>
             <a:fld id="{5BCAD085-E8A6-8845-BD4E-CB4CCA059FC4}" type="datetimeFigureOut">
               <a:rPr lang="en-US" smtClean="0"/>
-              <a:t>2/14/2025</a:t>
+              <a:t>2/15/2025</a:t>
             </a:fld>
             <a:endParaRPr lang="en-US"/>
           </a:p>
@@ -5715,7 +5715,7 @@
           <a:p>
             <a:fld id="{5BCAD085-E8A6-8845-BD4E-CB4CCA059FC4}" type="datetimeFigureOut">
               <a:rPr lang="en-US" smtClean="0"/>
-              <a:t>2/14/2025</a:t>
+              <a:t>2/15/2025</a:t>
             </a:fld>
             <a:endParaRPr lang="en-US"/>
           </a:p>
@@ -6253,11 +6253,17 @@
             <p:ph type="ctrTitle"/>
           </p:nvPr>
         </p:nvSpPr>
-        <p:spPr/>
-        <p:txBody>
-          <a:bodyPr/>
-          <a:lstStyle/>
-          <a:p>
+        <p:spPr>
+          <a:xfrm>
+            <a:off x="866442" y="1447801"/>
+            <a:ext cx="6620968" cy="2112817"/>
+          </a:xfrm>
+        </p:spPr>
+        <p:txBody>
+          <a:bodyPr/>
+          <a:lstStyle/>
+          <a:p>
+            <a:pPr algn="r"/>
             <a:endParaRPr dirty="0"/>
           </a:p>
         </p:txBody>
@@ -6272,11 +6278,17 @@
             <p:ph type="subTitle" idx="1"/>
           </p:nvPr>
         </p:nvSpPr>
-        <p:spPr/>
-        <p:txBody>
-          <a:bodyPr/>
-          <a:lstStyle/>
-          <a:p>
+        <p:spPr>
+          <a:xfrm>
+            <a:off x="866442" y="4015380"/>
+            <a:ext cx="6620968" cy="861420"/>
+          </a:xfrm>
+        </p:spPr>
+        <p:txBody>
+          <a:bodyPr/>
+          <a:lstStyle/>
+          <a:p>
+            <a:pPr algn="r"/>
             <a:endParaRPr dirty="0"/>
           </a:p>
         </p:txBody>
@@ -6316,12 +6328,18 @@
             <p:ph type="title"/>
           </p:nvPr>
         </p:nvSpPr>
-        <p:spPr/>
-        <p:txBody>
-          <a:bodyPr/>
-          <a:lstStyle/>
-          <a:p>
-            <a:endParaRPr lang="en-US"/>
+        <p:spPr>
+          <a:xfrm>
+            <a:off x="484710" y="452718"/>
+            <a:ext cx="7055380" cy="1223682"/>
+          </a:xfrm>
+        </p:spPr>
+        <p:txBody>
+          <a:bodyPr/>
+          <a:lstStyle/>
+          <a:p>
+            <a:pPr algn="ctr"/>
+            <a:endParaRPr lang="en-US" dirty="0"/>
           </a:p>
         </p:txBody>
       </p:sp>
@@ -6335,12 +6353,22 @@
             <p:ph idx="1"/>
           </p:nvPr>
         </p:nvSpPr>
-        <p:spPr/>
-        <p:txBody>
-          <a:bodyPr/>
-          <a:lstStyle/>
-          <a:p>
-            <a:endParaRPr lang="en-US"/>
+        <p:spPr>
+          <a:xfrm>
+            <a:off x="484710" y="1925782"/>
+            <a:ext cx="8132818" cy="4585854"/>
+          </a:xfrm>
+        </p:spPr>
+        <p:txBody>
+          <a:bodyPr/>
+          <a:lstStyle/>
+          <a:p>
+            <a:pPr>
+              <a:lnSpc>
+                <a:spcPct val="150000"/>
+              </a:lnSpc>
+            </a:pPr>
+            <a:endParaRPr lang="en-US" dirty="0"/>
           </a:p>
         </p:txBody>
       </p:sp>
@@ -6384,12 +6412,18 @@
             <p:ph type="title"/>
           </p:nvPr>
         </p:nvSpPr>
-        <p:spPr/>
-        <p:txBody>
-          <a:bodyPr/>
-          <a:lstStyle/>
-          <a:p>
-            <a:endParaRPr lang="en-US"/>
+        <p:spPr>
+          <a:xfrm>
+            <a:off x="484710" y="452718"/>
+            <a:ext cx="7055380" cy="1223682"/>
+          </a:xfrm>
+        </p:spPr>
+        <p:txBody>
+          <a:bodyPr/>
+          <a:lstStyle/>
+          <a:p>
+            <a:pPr algn="ctr"/>
+            <a:endParaRPr lang="en-US" dirty="0"/>
           </a:p>
         </p:txBody>
       </p:sp>
@@ -6403,19 +6437,29 @@
             <p:ph idx="1"/>
           </p:nvPr>
         </p:nvSpPr>
-        <p:spPr/>
-        <p:txBody>
-          <a:bodyPr/>
-          <a:lstStyle/>
-          <a:p>
-            <a:endParaRPr lang="en-US"/>
+        <p:spPr>
+          <a:xfrm>
+            <a:off x="484710" y="1925782"/>
+            <a:ext cx="8132818" cy="4585854"/>
+          </a:xfrm>
+        </p:spPr>
+        <p:txBody>
+          <a:bodyPr/>
+          <a:lstStyle/>
+          <a:p>
+            <a:pPr>
+              <a:lnSpc>
+                <a:spcPct val="150000"/>
+              </a:lnSpc>
+            </a:pPr>
+            <a:endParaRPr lang="en-US" dirty="0"/>
           </a:p>
         </p:txBody>
       </p:sp>
     </p:spTree>
     <p:extLst>
       <p:ext uri="{BB962C8B-B14F-4D97-AF65-F5344CB8AC3E}">
-        <p14:creationId xmlns:p14="http://schemas.microsoft.com/office/powerpoint/2010/main" val="506506800"/>
+        <p14:creationId xmlns:p14="http://schemas.microsoft.com/office/powerpoint/2010/main" val="1357781667"/>
       </p:ext>
     </p:extLst>
   </p:cSld>
@@ -6452,12 +6496,18 @@
             <p:ph type="title"/>
           </p:nvPr>
         </p:nvSpPr>
-        <p:spPr/>
-        <p:txBody>
-          <a:bodyPr/>
-          <a:lstStyle/>
-          <a:p>
-            <a:endParaRPr lang="en-US"/>
+        <p:spPr>
+          <a:xfrm>
+            <a:off x="484710" y="452718"/>
+            <a:ext cx="7055380" cy="1223682"/>
+          </a:xfrm>
+        </p:spPr>
+        <p:txBody>
+          <a:bodyPr/>
+          <a:lstStyle/>
+          <a:p>
+            <a:pPr algn="ctr"/>
+            <a:endParaRPr lang="en-US" dirty="0"/>
           </a:p>
         </p:txBody>
       </p:sp>
@@ -6471,19 +6521,29 @@
             <p:ph idx="1"/>
           </p:nvPr>
         </p:nvSpPr>
-        <p:spPr/>
-        <p:txBody>
-          <a:bodyPr/>
-          <a:lstStyle/>
-          <a:p>
-            <a:endParaRPr lang="en-US"/>
+        <p:spPr>
+          <a:xfrm>
+            <a:off x="484710" y="1925782"/>
+            <a:ext cx="8132818" cy="4585854"/>
+          </a:xfrm>
+        </p:spPr>
+        <p:txBody>
+          <a:bodyPr/>
+          <a:lstStyle/>
+          <a:p>
+            <a:pPr>
+              <a:lnSpc>
+                <a:spcPct val="150000"/>
+              </a:lnSpc>
+            </a:pPr>
+            <a:endParaRPr lang="en-US" dirty="0"/>
           </a:p>
         </p:txBody>
       </p:sp>
     </p:spTree>
     <p:extLst>
       <p:ext uri="{BB962C8B-B14F-4D97-AF65-F5344CB8AC3E}">
-        <p14:creationId xmlns:p14="http://schemas.microsoft.com/office/powerpoint/2010/main" val="441431607"/>
+        <p14:creationId xmlns:p14="http://schemas.microsoft.com/office/powerpoint/2010/main" val="344735294"/>
       </p:ext>
     </p:extLst>
   </p:cSld>
@@ -6520,12 +6580,18 @@
             <p:ph type="title"/>
           </p:nvPr>
         </p:nvSpPr>
-        <p:spPr/>
-        <p:txBody>
-          <a:bodyPr/>
-          <a:lstStyle/>
-          <a:p>
-            <a:endParaRPr lang="en-US"/>
+        <p:spPr>
+          <a:xfrm>
+            <a:off x="484710" y="452718"/>
+            <a:ext cx="7055380" cy="1223682"/>
+          </a:xfrm>
+        </p:spPr>
+        <p:txBody>
+          <a:bodyPr/>
+          <a:lstStyle/>
+          <a:p>
+            <a:pPr algn="ctr"/>
+            <a:endParaRPr lang="en-US" dirty="0"/>
           </a:p>
         </p:txBody>
       </p:sp>
@@ -6539,19 +6605,29 @@
             <p:ph idx="1"/>
           </p:nvPr>
         </p:nvSpPr>
-        <p:spPr/>
-        <p:txBody>
-          <a:bodyPr/>
-          <a:lstStyle/>
-          <a:p>
-            <a:endParaRPr lang="en-US"/>
+        <p:spPr>
+          <a:xfrm>
+            <a:off x="484710" y="1773382"/>
+            <a:ext cx="8132818" cy="4156363"/>
+          </a:xfrm>
+        </p:spPr>
+        <p:txBody>
+          <a:bodyPr/>
+          <a:lstStyle/>
+          <a:p>
+            <a:pPr>
+              <a:lnSpc>
+                <a:spcPct val="150000"/>
+              </a:lnSpc>
+            </a:pPr>
+            <a:endParaRPr lang="en-US" dirty="0"/>
           </a:p>
         </p:txBody>
       </p:sp>
     </p:spTree>
     <p:extLst>
       <p:ext uri="{BB962C8B-B14F-4D97-AF65-F5344CB8AC3E}">
-        <p14:creationId xmlns:p14="http://schemas.microsoft.com/office/powerpoint/2010/main" val="1085061532"/>
+        <p14:creationId xmlns:p14="http://schemas.microsoft.com/office/powerpoint/2010/main" val="2720077057"/>
       </p:ext>
     </p:extLst>
   </p:cSld>
@@ -6588,12 +6664,18 @@
             <p:ph type="title"/>
           </p:nvPr>
         </p:nvSpPr>
-        <p:spPr/>
-        <p:txBody>
-          <a:bodyPr/>
-          <a:lstStyle/>
-          <a:p>
-            <a:endParaRPr lang="en-US"/>
+        <p:spPr>
+          <a:xfrm>
+            <a:off x="484710" y="452718"/>
+            <a:ext cx="7055380" cy="1223682"/>
+          </a:xfrm>
+        </p:spPr>
+        <p:txBody>
+          <a:bodyPr/>
+          <a:lstStyle/>
+          <a:p>
+            <a:pPr algn="ctr"/>
+            <a:endParaRPr lang="en-US" dirty="0"/>
           </a:p>
         </p:txBody>
       </p:sp>
@@ -6607,19 +6689,29 @@
             <p:ph idx="1"/>
           </p:nvPr>
         </p:nvSpPr>
-        <p:spPr/>
-        <p:txBody>
-          <a:bodyPr/>
-          <a:lstStyle/>
-          <a:p>
-            <a:endParaRPr lang="en-US"/>
+        <p:spPr>
+          <a:xfrm>
+            <a:off x="484710" y="1925782"/>
+            <a:ext cx="8132818" cy="4585854"/>
+          </a:xfrm>
+        </p:spPr>
+        <p:txBody>
+          <a:bodyPr/>
+          <a:lstStyle/>
+          <a:p>
+            <a:pPr>
+              <a:lnSpc>
+                <a:spcPct val="150000"/>
+              </a:lnSpc>
+            </a:pPr>
+            <a:endParaRPr lang="en-US" dirty="0"/>
           </a:p>
         </p:txBody>
       </p:sp>
     </p:spTree>
     <p:extLst>
       <p:ext uri="{BB962C8B-B14F-4D97-AF65-F5344CB8AC3E}">
-        <p14:creationId xmlns:p14="http://schemas.microsoft.com/office/powerpoint/2010/main" val="3818799782"/>
+        <p14:creationId xmlns:p14="http://schemas.microsoft.com/office/powerpoint/2010/main" val="1450246702"/>
       </p:ext>
     </p:extLst>
   </p:cSld>
